--- a/tv.pptx
+++ b/tv.pptx
@@ -12,6 +12,7 @@
     <p:sldId id="259" r:id="rId6"/>
     <p:sldId id="260" r:id="rId7"/>
     <p:sldId id="261" r:id="rId8"/>
+    <p:sldId id="263" r:id="rId9"/>
   </p:sldIdLst>
   <p:sldSz cx="12192000" cy="6858000"/>
   <p:notesSz cx="6858000" cy="9144000"/>
@@ -110,6 +111,11 @@
       </a:defRPr>
     </a:lvl9pPr>
   </p:defaultTextStyle>
+  <p:extLst>
+    <p:ext uri="{EFAFB233-063F-42B5-8137-9DF3F51BA10A}">
+      <p15:sldGuideLst xmlns:p15="http://schemas.microsoft.com/office/powerpoint/2012/main"/>
+    </p:ext>
+  </p:extLst>
 </p:presentation>
 </file>
 
@@ -260,7 +266,7 @@
           <a:p>
             <a:fld id="{D8E7DD79-2E76-4FD2-BC1B-E913AA010AB3}" type="datetimeFigureOut">
               <a:rPr lang="pt-BR" smtClean="0"/>
-              <a:t>01/08/2021</a:t>
+              <a:t>02/08/2021</a:t>
             </a:fld>
             <a:endParaRPr lang="pt-BR"/>
           </a:p>
@@ -458,7 +464,7 @@
           <a:p>
             <a:fld id="{D8E7DD79-2E76-4FD2-BC1B-E913AA010AB3}" type="datetimeFigureOut">
               <a:rPr lang="pt-BR" smtClean="0"/>
-              <a:t>01/08/2021</a:t>
+              <a:t>02/08/2021</a:t>
             </a:fld>
             <a:endParaRPr lang="pt-BR"/>
           </a:p>
@@ -666,7 +672,7 @@
           <a:p>
             <a:fld id="{D8E7DD79-2E76-4FD2-BC1B-E913AA010AB3}" type="datetimeFigureOut">
               <a:rPr lang="pt-BR" smtClean="0"/>
-              <a:t>01/08/2021</a:t>
+              <a:t>02/08/2021</a:t>
             </a:fld>
             <a:endParaRPr lang="pt-BR"/>
           </a:p>
@@ -864,7 +870,7 @@
           <a:p>
             <a:fld id="{D8E7DD79-2E76-4FD2-BC1B-E913AA010AB3}" type="datetimeFigureOut">
               <a:rPr lang="pt-BR" smtClean="0"/>
-              <a:t>01/08/2021</a:t>
+              <a:t>02/08/2021</a:t>
             </a:fld>
             <a:endParaRPr lang="pt-BR"/>
           </a:p>
@@ -1139,7 +1145,7 @@
           <a:p>
             <a:fld id="{D8E7DD79-2E76-4FD2-BC1B-E913AA010AB3}" type="datetimeFigureOut">
               <a:rPr lang="pt-BR" smtClean="0"/>
-              <a:t>01/08/2021</a:t>
+              <a:t>02/08/2021</a:t>
             </a:fld>
             <a:endParaRPr lang="pt-BR"/>
           </a:p>
@@ -1404,7 +1410,7 @@
           <a:p>
             <a:fld id="{D8E7DD79-2E76-4FD2-BC1B-E913AA010AB3}" type="datetimeFigureOut">
               <a:rPr lang="pt-BR" smtClean="0"/>
-              <a:t>01/08/2021</a:t>
+              <a:t>02/08/2021</a:t>
             </a:fld>
             <a:endParaRPr lang="pt-BR"/>
           </a:p>
@@ -1816,7 +1822,7 @@
           <a:p>
             <a:fld id="{D8E7DD79-2E76-4FD2-BC1B-E913AA010AB3}" type="datetimeFigureOut">
               <a:rPr lang="pt-BR" smtClean="0"/>
-              <a:t>01/08/2021</a:t>
+              <a:t>02/08/2021</a:t>
             </a:fld>
             <a:endParaRPr lang="pt-BR"/>
           </a:p>
@@ -1957,7 +1963,7 @@
           <a:p>
             <a:fld id="{D8E7DD79-2E76-4FD2-BC1B-E913AA010AB3}" type="datetimeFigureOut">
               <a:rPr lang="pt-BR" smtClean="0"/>
-              <a:t>01/08/2021</a:t>
+              <a:t>02/08/2021</a:t>
             </a:fld>
             <a:endParaRPr lang="pt-BR"/>
           </a:p>
@@ -2070,7 +2076,7 @@
           <a:p>
             <a:fld id="{D8E7DD79-2E76-4FD2-BC1B-E913AA010AB3}" type="datetimeFigureOut">
               <a:rPr lang="pt-BR" smtClean="0"/>
-              <a:t>01/08/2021</a:t>
+              <a:t>02/08/2021</a:t>
             </a:fld>
             <a:endParaRPr lang="pt-BR"/>
           </a:p>
@@ -2381,7 +2387,7 @@
           <a:p>
             <a:fld id="{D8E7DD79-2E76-4FD2-BC1B-E913AA010AB3}" type="datetimeFigureOut">
               <a:rPr lang="pt-BR" smtClean="0"/>
-              <a:t>01/08/2021</a:t>
+              <a:t>02/08/2021</a:t>
             </a:fld>
             <a:endParaRPr lang="pt-BR"/>
           </a:p>
@@ -2669,7 +2675,7 @@
           <a:p>
             <a:fld id="{D8E7DD79-2E76-4FD2-BC1B-E913AA010AB3}" type="datetimeFigureOut">
               <a:rPr lang="pt-BR" smtClean="0"/>
-              <a:t>01/08/2021</a:t>
+              <a:t>02/08/2021</a:t>
             </a:fld>
             <a:endParaRPr lang="pt-BR"/>
           </a:p>
@@ -2913,7 +2919,7 @@
           <a:p>
             <a:fld id="{D8E7DD79-2E76-4FD2-BC1B-E913AA010AB3}" type="datetimeFigureOut">
               <a:rPr lang="pt-BR" smtClean="0"/>
-              <a:t>01/08/2021</a:t>
+              <a:t>02/08/2021</a:t>
             </a:fld>
             <a:endParaRPr lang="pt-BR"/>
           </a:p>
@@ -3411,13 +3417,13 @@
   <p:clrMapOvr>
     <a:masterClrMapping/>
   </p:clrMapOvr>
-  <mc:AlternateContent xmlns:mc="http://schemas.openxmlformats.org/markup-compatibility/2006">
-    <mc:Choice xmlns:p14="http://schemas.microsoft.com/office/powerpoint/2010/main" Requires="p14">
+  <mc:AlternateContent xmlns:mc="http://schemas.openxmlformats.org/markup-compatibility/2006" xmlns:p14="http://schemas.microsoft.com/office/powerpoint/2010/main">
+    <mc:Choice Requires="p14">
       <p:transition spd="med" p14:dur="700" advClick="0" advTm="10000">
         <p:fade/>
       </p:transition>
     </mc:Choice>
-    <mc:Fallback>
+    <mc:Fallback xmlns="">
       <p:transition spd="med" advClick="0" advTm="10000">
         <p:fade/>
       </p:transition>
@@ -3525,13 +3531,13 @@
   <p:clrMapOvr>
     <a:masterClrMapping/>
   </p:clrMapOvr>
-  <mc:AlternateContent xmlns:mc="http://schemas.openxmlformats.org/markup-compatibility/2006">
-    <mc:Choice xmlns:p14="http://schemas.microsoft.com/office/powerpoint/2010/main" Requires="p14">
+  <mc:AlternateContent xmlns:mc="http://schemas.openxmlformats.org/markup-compatibility/2006" xmlns:p14="http://schemas.microsoft.com/office/powerpoint/2010/main">
+    <mc:Choice Requires="p14">
       <p:transition spd="med" p14:dur="700" advClick="0" advTm="10000">
         <p:fade/>
       </p:transition>
     </mc:Choice>
-    <mc:Fallback>
+    <mc:Fallback xmlns="">
       <p:transition spd="med" advClick="0" advTm="10000">
         <p:fade/>
       </p:transition>
@@ -3675,13 +3681,13 @@
   <p:clrMapOvr>
     <a:masterClrMapping/>
   </p:clrMapOvr>
-  <mc:AlternateContent xmlns:mc="http://schemas.openxmlformats.org/markup-compatibility/2006">
-    <mc:Choice xmlns:p14="http://schemas.microsoft.com/office/powerpoint/2010/main" Requires="p14">
+  <mc:AlternateContent xmlns:mc="http://schemas.openxmlformats.org/markup-compatibility/2006" xmlns:p14="http://schemas.microsoft.com/office/powerpoint/2010/main">
+    <mc:Choice Requires="p14">
       <p:transition spd="med" p14:dur="700" advClick="0" advTm="4000">
         <p:fade/>
       </p:transition>
     </mc:Choice>
-    <mc:Fallback>
+    <mc:Fallback xmlns="">
       <p:transition spd="med" advClick="0" advTm="4000">
         <p:fade/>
       </p:transition>
@@ -3735,7 +3741,7 @@
         </p:blipFill>
         <p:spPr>
           <a:xfrm>
-            <a:off x="4479634" y="0"/>
+            <a:off x="4791004" y="0"/>
             <a:ext cx="2609989" cy="1366982"/>
           </a:xfrm>
           <a:prstGeom prst="rect">
@@ -3825,13 +3831,13 @@
   <p:clrMapOvr>
     <a:masterClrMapping/>
   </p:clrMapOvr>
-  <mc:AlternateContent xmlns:mc="http://schemas.openxmlformats.org/markup-compatibility/2006">
-    <mc:Choice xmlns:p14="http://schemas.microsoft.com/office/powerpoint/2010/main" Requires="p14">
+  <mc:AlternateContent xmlns:mc="http://schemas.openxmlformats.org/markup-compatibility/2006" xmlns:p14="http://schemas.microsoft.com/office/powerpoint/2010/main">
+    <mc:Choice Requires="p14">
       <p:transition spd="med" p14:dur="700" advClick="0" advTm="4000">
         <p:fade/>
       </p:transition>
     </mc:Choice>
-    <mc:Fallback>
+    <mc:Fallback xmlns="">
       <p:transition spd="med" advClick="0" advTm="4000">
         <p:fade/>
       </p:transition>
@@ -3975,13 +3981,13 @@
   <p:clrMapOvr>
     <a:masterClrMapping/>
   </p:clrMapOvr>
-  <mc:AlternateContent xmlns:mc="http://schemas.openxmlformats.org/markup-compatibility/2006">
-    <mc:Choice xmlns:p14="http://schemas.microsoft.com/office/powerpoint/2010/main" Requires="p14">
+  <mc:AlternateContent xmlns:mc="http://schemas.openxmlformats.org/markup-compatibility/2006" xmlns:p14="http://schemas.microsoft.com/office/powerpoint/2010/main">
+    <mc:Choice Requires="p14">
       <p:transition spd="med" p14:dur="700" advClick="0" advTm="4000">
         <p:fade/>
       </p:transition>
     </mc:Choice>
-    <mc:Fallback>
+    <mc:Fallback xmlns="">
       <p:transition spd="med" advClick="0" advTm="4000">
         <p:fade/>
       </p:transition>
@@ -4125,13 +4131,13 @@
   <p:clrMapOvr>
     <a:masterClrMapping/>
   </p:clrMapOvr>
-  <mc:AlternateContent xmlns:mc="http://schemas.openxmlformats.org/markup-compatibility/2006">
-    <mc:Choice xmlns:p14="http://schemas.microsoft.com/office/powerpoint/2010/main" Requires="p14">
+  <mc:AlternateContent xmlns:mc="http://schemas.openxmlformats.org/markup-compatibility/2006" xmlns:p14="http://schemas.microsoft.com/office/powerpoint/2010/main">
+    <mc:Choice Requires="p14">
       <p:transition spd="med" p14:dur="700" advClick="0" advTm="10000">
         <p:fade/>
       </p:transition>
     </mc:Choice>
-    <mc:Fallback>
+    <mc:Fallback xmlns="">
       <p:transition spd="med" advClick="0" advTm="10000">
         <p:fade/>
       </p:transition>
@@ -4221,7 +4227,7 @@
         </p:blipFill>
         <p:spPr>
           <a:xfrm>
-            <a:off x="4791004" y="58723"/>
+            <a:off x="4791004" y="0"/>
             <a:ext cx="2609989" cy="1366982"/>
           </a:xfrm>
           <a:prstGeom prst="rect">
@@ -4269,6 +4275,128 @@
     <p:extLst>
       <p:ext uri="{BB962C8B-B14F-4D97-AF65-F5344CB8AC3E}">
         <p14:creationId xmlns:p14="http://schemas.microsoft.com/office/powerpoint/2010/main" val="1027862535"/>
+      </p:ext>
+    </p:extLst>
+  </p:cSld>
+  <p:clrMapOvr>
+    <a:masterClrMapping/>
+  </p:clrMapOvr>
+  <mc:AlternateContent xmlns:mc="http://schemas.openxmlformats.org/markup-compatibility/2006">
+    <mc:Choice xmlns:p14="http://schemas.microsoft.com/office/powerpoint/2010/main" Requires="p14">
+      <p:transition spd="med" p14:dur="700" advClick="0" advTm="10000">
+        <p:fade/>
+      </p:transition>
+    </mc:Choice>
+    <mc:Fallback>
+      <p:transition spd="med" advClick="0" advTm="10000">
+        <p:fade/>
+      </p:transition>
+    </mc:Fallback>
+  </mc:AlternateContent>
+</p:sld>
+</file>
+
+<file path=ppt/slides/slide8.xml><?xml version="1.0" encoding="utf-8"?>
+<p:sld xmlns:a="http://schemas.openxmlformats.org/drawingml/2006/main" xmlns:r="http://schemas.openxmlformats.org/officeDocument/2006/relationships" xmlns:p="http://schemas.openxmlformats.org/presentationml/2006/main">
+  <p:cSld>
+    <p:spTree>
+      <p:nvGrpSpPr>
+        <p:cNvPr id="1" name=""/>
+        <p:cNvGrpSpPr/>
+        <p:nvPr/>
+      </p:nvGrpSpPr>
+      <p:grpSpPr>
+        <a:xfrm>
+          <a:off x="0" y="0"/>
+          <a:ext cx="0" cy="0"/>
+          <a:chOff x="0" y="0"/>
+          <a:chExt cx="0" cy="0"/>
+        </a:xfrm>
+      </p:grpSpPr>
+      <p:sp>
+        <p:nvSpPr>
+          <p:cNvPr id="3" name="Espaço Reservado para Conteúdo 2">
+            <a:extLst>
+              <a:ext uri="{FF2B5EF4-FFF2-40B4-BE49-F238E27FC236}">
+                <a16:creationId xmlns:a16="http://schemas.microsoft.com/office/drawing/2014/main" id="{C78BB084-3A12-494C-83D2-48095EE48023}"/>
+              </a:ext>
+            </a:extLst>
+          </p:cNvPr>
+          <p:cNvSpPr>
+            <a:spLocks noGrp="1"/>
+          </p:cNvSpPr>
+          <p:nvPr>
+            <p:ph idx="1"/>
+          </p:nvPr>
+        </p:nvSpPr>
+        <p:spPr>
+          <a:xfrm>
+            <a:off x="838198" y="1366982"/>
+            <a:ext cx="10515600" cy="4351338"/>
+          </a:xfrm>
+        </p:spPr>
+        <p:txBody>
+          <a:bodyPr>
+            <a:noAutofit/>
+          </a:bodyPr>
+          <a:lstStyle/>
+          <a:p>
+            <a:pPr marL="0" indent="0">
+              <a:buNone/>
+            </a:pPr>
+            <a:r>
+              <a:rPr lang="pt-BR" dirty="0">
+                <a:solidFill>
+                  <a:schemeClr val="bg1"/>
+                </a:solidFill>
+                <a:latin typeface="Poppins" panose="00000500000000000000" pitchFamily="2" charset="0"/>
+                <a:cs typeface="Poppins" panose="00000500000000000000" pitchFamily="2" charset="0"/>
+              </a:rPr>
+              <a:t>Este seminário será filmado, gravado e fotografado para publicação, transmissão, retransmissão, reprodução e/ou divulgação em televisão, internet, publicidades em geral e qualquer outro veículo de comunicação no Brasil e/ou exterior. Ao participar desde seminário como prestador de serviços, convidado ou qualquer outra natureza, você concorda e autoriza a utilização gratuita da sua imagem, seu nome e sua voz, nos termos ora mencionados, sem limite de vezes e/ou tempo, sem que isso caracterize uso indevido de imagem ou de qualquer outro direito da personalidade e sem que dessa utilização decorra qualquer ônus e/ou indenização. Isso implica aceitação incondicional dos termos acima.</a:t>
+            </a:r>
+          </a:p>
+        </p:txBody>
+      </p:sp>
+      <p:pic>
+        <p:nvPicPr>
+          <p:cNvPr id="4" name="Imagem 3" descr="Uma imagem contendo texto, desenho&#10;&#10;Descrição gerada automaticamente">
+            <a:extLst>
+              <a:ext uri="{FF2B5EF4-FFF2-40B4-BE49-F238E27FC236}">
+                <a16:creationId xmlns:a16="http://schemas.microsoft.com/office/drawing/2014/main" id="{882B6C35-C55E-45D4-AC1E-C54784BB6977}"/>
+              </a:ext>
+            </a:extLst>
+          </p:cNvPr>
+          <p:cNvPicPr>
+            <a:picLocks noChangeAspect="1"/>
+          </p:cNvPicPr>
+          <p:nvPr/>
+        </p:nvPicPr>
+        <p:blipFill>
+          <a:blip r:embed="rId2">
+            <a:extLst>
+              <a:ext uri="{28A0092B-C50C-407E-A947-70E740481C1C}">
+                <a14:useLocalDpi xmlns:a14="http://schemas.microsoft.com/office/drawing/2010/main" val="0"/>
+              </a:ext>
+            </a:extLst>
+          </a:blip>
+          <a:stretch>
+            <a:fillRect/>
+          </a:stretch>
+        </p:blipFill>
+        <p:spPr>
+          <a:xfrm>
+            <a:off x="4791004" y="0"/>
+            <a:ext cx="2609989" cy="1366982"/>
+          </a:xfrm>
+          <a:prstGeom prst="rect">
+            <a:avLst/>
+          </a:prstGeom>
+        </p:spPr>
+      </p:pic>
+    </p:spTree>
+    <p:extLst>
+      <p:ext uri="{BB962C8B-B14F-4D97-AF65-F5344CB8AC3E}">
+        <p14:creationId xmlns:p14="http://schemas.microsoft.com/office/powerpoint/2010/main" val="4187620646"/>
       </p:ext>
     </p:extLst>
   </p:cSld>
